--- a/Data Science Journey.pptx
+++ b/Data Science Journey.pptx
@@ -174,7 +174,7 @@
   <pc:docChgLst>
     <pc:chgData name="Gala, Viraj Rohit" userId="ddb678b1-4ffb-45d3-88b4-7b5edee545b1" providerId="ADAL" clId="{0707F76E-6B5B-4DA5-BBC0-1A15E47713D1}"/>
     <pc:docChg chg="modSld">
-      <pc:chgData name="Gala, Viraj Rohit" userId="ddb678b1-4ffb-45d3-88b4-7b5edee545b1" providerId="ADAL" clId="{0707F76E-6B5B-4DA5-BBC0-1A15E47713D1}" dt="2024-03-15T15:58:14.870" v="22"/>
+      <pc:chgData name="Gala, Viraj Rohit" userId="ddb678b1-4ffb-45d3-88b4-7b5edee545b1" providerId="ADAL" clId="{0707F76E-6B5B-4DA5-BBC0-1A15E47713D1}" dt="2024-03-15T16:03:15.886" v="27" actId="20577"/>
       <pc:docMkLst>
         <pc:docMk/>
       </pc:docMkLst>
@@ -269,13 +269,13 @@
         </pc:spChg>
       </pc:sldChg>
       <pc:sldChg chg="modSp mod">
-        <pc:chgData name="Gala, Viraj Rohit" userId="ddb678b1-4ffb-45d3-88b4-7b5edee545b1" providerId="ADAL" clId="{0707F76E-6B5B-4DA5-BBC0-1A15E47713D1}" dt="2024-03-15T15:58:14.870" v="22"/>
+        <pc:chgData name="Gala, Viraj Rohit" userId="ddb678b1-4ffb-45d3-88b4-7b5edee545b1" providerId="ADAL" clId="{0707F76E-6B5B-4DA5-BBC0-1A15E47713D1}" dt="2024-03-15T16:02:22.637" v="23"/>
         <pc:sldMkLst>
           <pc:docMk/>
           <pc:sldMk cId="0" sldId="268"/>
         </pc:sldMkLst>
         <pc:spChg chg="mod">
-          <ac:chgData name="Gala, Viraj Rohit" userId="ddb678b1-4ffb-45d3-88b4-7b5edee545b1" providerId="ADAL" clId="{0707F76E-6B5B-4DA5-BBC0-1A15E47713D1}" dt="2024-03-15T15:58:14.870" v="22"/>
+          <ac:chgData name="Gala, Viraj Rohit" userId="ddb678b1-4ffb-45d3-88b4-7b5edee545b1" providerId="ADAL" clId="{0707F76E-6B5B-4DA5-BBC0-1A15E47713D1}" dt="2024-03-15T16:02:22.637" v="23"/>
           <ac:spMkLst>
             <pc:docMk/>
             <pc:sldMk cId="0" sldId="268"/>
@@ -294,6 +294,36 @@
           <ac:spMkLst>
             <pc:docMk/>
             <pc:sldMk cId="0" sldId="269"/>
+            <ac:spMk id="4" creationId="{00000000-0000-0000-0000-000000000000}"/>
+          </ac:spMkLst>
+        </pc:spChg>
+      </pc:sldChg>
+      <pc:sldChg chg="modSp mod">
+        <pc:chgData name="Gala, Viraj Rohit" userId="ddb678b1-4ffb-45d3-88b4-7b5edee545b1" providerId="ADAL" clId="{0707F76E-6B5B-4DA5-BBC0-1A15E47713D1}" dt="2024-03-15T16:02:38.995" v="24"/>
+        <pc:sldMkLst>
+          <pc:docMk/>
+          <pc:sldMk cId="0" sldId="270"/>
+        </pc:sldMkLst>
+        <pc:spChg chg="mod">
+          <ac:chgData name="Gala, Viraj Rohit" userId="ddb678b1-4ffb-45d3-88b4-7b5edee545b1" providerId="ADAL" clId="{0707F76E-6B5B-4DA5-BBC0-1A15E47713D1}" dt="2024-03-15T16:02:38.995" v="24"/>
+          <ac:spMkLst>
+            <pc:docMk/>
+            <pc:sldMk cId="0" sldId="270"/>
+            <ac:spMk id="4" creationId="{00000000-0000-0000-0000-000000000000}"/>
+          </ac:spMkLst>
+        </pc:spChg>
+      </pc:sldChg>
+      <pc:sldChg chg="modSp mod">
+        <pc:chgData name="Gala, Viraj Rohit" userId="ddb678b1-4ffb-45d3-88b4-7b5edee545b1" providerId="ADAL" clId="{0707F76E-6B5B-4DA5-BBC0-1A15E47713D1}" dt="2024-03-15T16:03:15.886" v="27" actId="20577"/>
+        <pc:sldMkLst>
+          <pc:docMk/>
+          <pc:sldMk cId="0" sldId="302"/>
+        </pc:sldMkLst>
+        <pc:spChg chg="mod">
+          <ac:chgData name="Gala, Viraj Rohit" userId="ddb678b1-4ffb-45d3-88b4-7b5edee545b1" providerId="ADAL" clId="{0707F76E-6B5B-4DA5-BBC0-1A15E47713D1}" dt="2024-03-15T16:03:15.886" v="27" actId="20577"/>
+          <ac:spMkLst>
+            <pc:docMk/>
+            <pc:sldMk cId="0" sldId="302"/>
             <ac:spMk id="4" creationId="{00000000-0000-0000-0000-000000000000}"/>
           </ac:spMkLst>
         </pc:spChg>
@@ -5229,7 +5259,7 @@
         <p:spPr>
           <a:xfrm>
             <a:off x="1176019" y="1824608"/>
-            <a:ext cx="9765665" cy="2701124"/>
+            <a:ext cx="9765665" cy="3162789"/>
           </a:xfrm>
           <a:prstGeom prst="rect">
             <a:avLst/>
@@ -5679,7 +5709,7 @@
                 <a:latin typeface="Carlito"/>
                 <a:cs typeface="Carlito"/>
               </a:rPr>
-              <a:t>https://github.com/virajgala09/Applied_Data_Science_Capstone/blob/main/Week%203%20Interactive%20Visual%20Analytics%20and%20Dashboard/spacex_dash_app.py</a:t>
+              <a:t>https://github.com/virajgala09/Applied_Data_Science_Capstone/blob/main/Week%203%20Interactive%20Visual%20Analytics%20and%20Dashboard/Interactive%20Visual%20Analytics%20with%20Folium.ipynb</a:t>
             </a:r>
             <a:endParaRPr sz="2000" dirty="0">
               <a:latin typeface="Carlito"/>
@@ -6872,7 +6902,7 @@
         <p:spPr>
           <a:xfrm>
             <a:off x="533401" y="2472309"/>
-            <a:ext cx="3061208" cy="2796278"/>
+            <a:ext cx="3061208" cy="2180725"/>
           </a:xfrm>
           <a:prstGeom prst="rect">
             <a:avLst/>
@@ -6963,9 +6993,8 @@
               <a:rPr lang="en-IN" sz="2000" dirty="0">
                 <a:latin typeface="Carlito"/>
                 <a:cs typeface="Carlito"/>
-                <a:hlinkClick r:id="rId2"/>
-              </a:rPr>
-              <a:t>https://github.com/navassherif98/IBM_Data_Science_Professional_Certification/blob/master/10.Applied_Data_Science_Capstone/Week%204%20Predictive%20Analysis%20(Classification)/Machine%20Learning%20Prediction.ipynb</a:t>
+              </a:rPr>
+              <a:t>https://github.com/virajgala09/Applied_Data_Science_Capstone/blob/main/Week%204%20PRedictive%20Analysis/Machine%20Learning%20Prediction.ipynb</a:t>
             </a:r>
             <a:endParaRPr sz="2000" dirty="0">
               <a:latin typeface="Carlito"/>
@@ -31565,7 +31594,7 @@
         <p:spPr>
           <a:xfrm>
             <a:off x="1176019" y="1496901"/>
-            <a:ext cx="8401050" cy="3782446"/>
+            <a:ext cx="8401050" cy="3590085"/>
           </a:xfrm>
           <a:prstGeom prst="rect">
             <a:avLst/>
@@ -31651,31 +31680,23 @@
             </a:endParaRPr>
           </a:p>
           <a:p>
-            <a:pPr marL="12700">
+            <a:pPr>
               <a:lnSpc>
                 <a:spcPct val="100000"/>
               </a:lnSpc>
               <a:spcBef>
-                <a:spcPts val="1200"/>
+                <a:spcPts val="40"/>
               </a:spcBef>
             </a:pPr>
             <a:r>
-              <a:rPr lang="en-IN" sz="2000" u="heavy" spc="-10" dirty="0">
-                <a:solidFill>
-                  <a:srgbClr val="800080"/>
-                </a:solidFill>
-                <a:uFill>
-                  <a:solidFill>
-                    <a:srgbClr val="800080"/>
-                  </a:solidFill>
-                </a:uFill>
+              <a:rPr lang="en-US" sz="1750">
                 <a:latin typeface="Carlito"/>
                 <a:cs typeface="Carlito"/>
                 <a:hlinkClick r:id="rId2"/>
               </a:rPr>
-              <a:t>https://github.com/navassherif98/IBM_Data_Science_Professional_Certification</a:t>
-            </a:r>
-            <a:endParaRPr sz="2000" dirty="0">
+              <a:t>https://github.com/virajgala09/Applied_Data_Science_Capstone/tree/main</a:t>
+            </a:r>
+            <a:endParaRPr lang="en-US" sz="1750">
               <a:latin typeface="Carlito"/>
               <a:cs typeface="Carlito"/>
             </a:endParaRPr>
